--- a/パッケージにひとこと.pptx
+++ b/パッケージにひとこと.pptx
@@ -3315,15 +3315,7 @@
                   <a:schemeClr val="bg1"/>
                 </a:solidFill>
               </a:rPr>
-              <a:t>岸田　</a:t>
-            </a:r>
-            <a:r>
-              <a:rPr kumimoji="1" lang="ja-JP" altLang="en-US" sz="1400" b="1" dirty="0" smtClean="0">
-                <a:solidFill>
-                  <a:schemeClr val="bg1"/>
-                </a:solidFill>
-              </a:rPr>
-              <a:t>怜</a:t>
+              <a:t>岸田　怜</a:t>
             </a:r>
             <a:endParaRPr kumimoji="1" lang="ja-JP" altLang="en-US" sz="1400" b="1" dirty="0">
               <a:solidFill>
@@ -3422,15 +3414,7 @@
                   <a:schemeClr val="bg1"/>
                 </a:solidFill>
               </a:rPr>
-              <a:t>田　</a:t>
-            </a:r>
-            <a:r>
-              <a:rPr kumimoji="1" lang="ja-JP" altLang="en-US" sz="1400" b="1" dirty="0" smtClean="0">
-                <a:solidFill>
-                  <a:schemeClr val="bg1"/>
-                </a:solidFill>
-              </a:rPr>
-              <a:t>琢人</a:t>
+              <a:t>田　琢人</a:t>
             </a:r>
             <a:endParaRPr kumimoji="1" lang="ja-JP" altLang="en-US" sz="1400" b="1" dirty="0">
               <a:solidFill>
@@ -3598,15 +3582,7 @@
                   <a:schemeClr val="bg1"/>
                 </a:solidFill>
               </a:rPr>
-              <a:t>庄司　康</a:t>
-            </a:r>
-            <a:r>
-              <a:rPr lang="ja-JP" altLang="en-US" sz="1400" b="1" dirty="0" smtClean="0">
-                <a:solidFill>
-                  <a:schemeClr val="bg1"/>
-                </a:solidFill>
-              </a:rPr>
-              <a:t>太</a:t>
+              <a:t>庄司　康太</a:t>
             </a:r>
             <a:endParaRPr kumimoji="1" lang="ja-JP" altLang="en-US" sz="1400" b="1" dirty="0">
               <a:solidFill>
@@ -3774,15 +3750,7 @@
                   <a:schemeClr val="bg1"/>
                 </a:solidFill>
               </a:rPr>
-              <a:t>早川　</a:t>
-            </a:r>
-            <a:r>
-              <a:rPr lang="ja-JP" altLang="en-US" sz="1400" b="1" dirty="0" smtClean="0">
-                <a:solidFill>
-                  <a:schemeClr val="bg1"/>
-                </a:solidFill>
-              </a:rPr>
-              <a:t>樹綺也</a:t>
+              <a:t>早川　樹綺也</a:t>
             </a:r>
             <a:endParaRPr kumimoji="1" lang="ja-JP" altLang="en-US" sz="1400" b="1" dirty="0">
               <a:solidFill>
@@ -3858,15 +3826,7 @@
                   <a:schemeClr val="bg1"/>
                 </a:solidFill>
               </a:rPr>
-              <a:t>吉田　柊</a:t>
-            </a:r>
-            <a:r>
-              <a:rPr kumimoji="1" lang="ja-JP" altLang="en-US" sz="1400" b="1" dirty="0" smtClean="0">
-                <a:solidFill>
-                  <a:schemeClr val="bg1"/>
-                </a:solidFill>
-              </a:rPr>
-              <a:t>平</a:t>
+              <a:t>吉田　柊平</a:t>
             </a:r>
             <a:endParaRPr kumimoji="1" lang="ja-JP" altLang="en-US" sz="1400" b="1" dirty="0">
               <a:solidFill>
@@ -3914,6 +3874,94 @@
           </a:p>
         </p:txBody>
       </p:sp>
+      <p:pic>
+        <p:nvPicPr>
+          <p:cNvPr id="2" name="図 1"/>
+          <p:cNvPicPr>
+            <a:picLocks noChangeAspect="1"/>
+          </p:cNvPicPr>
+          <p:nvPr/>
+        </p:nvPicPr>
+        <p:blipFill>
+          <a:blip r:embed="rId3" cstate="print">
+            <a:extLst>
+              <a:ext uri="{28A0092B-C50C-407E-A947-70E740481C1C}">
+                <a14:useLocalDpi xmlns:a14="http://schemas.microsoft.com/office/drawing/2010/main" val="0"/>
+              </a:ext>
+            </a:extLst>
+          </a:blip>
+          <a:stretch>
+            <a:fillRect/>
+          </a:stretch>
+        </p:blipFill>
+        <p:spPr>
+          <a:xfrm>
+            <a:off x="9531660" y="5653470"/>
+            <a:ext cx="1918397" cy="808825"/>
+          </a:xfrm>
+          <a:prstGeom prst="rect">
+            <a:avLst/>
+          </a:prstGeom>
+        </p:spPr>
+      </p:pic>
+      <p:pic>
+        <p:nvPicPr>
+          <p:cNvPr id="18" name="図 17"/>
+          <p:cNvPicPr>
+            <a:picLocks noChangeAspect="1"/>
+          </p:cNvPicPr>
+          <p:nvPr/>
+        </p:nvPicPr>
+        <p:blipFill rotWithShape="1">
+          <a:blip r:embed="rId4">
+            <a:extLst>
+              <a:ext uri="{28A0092B-C50C-407E-A947-70E740481C1C}">
+                <a14:useLocalDpi xmlns:a14="http://schemas.microsoft.com/office/drawing/2010/main" val="0"/>
+              </a:ext>
+            </a:extLst>
+          </a:blip>
+          <a:srcRect t="2304" r="66792" b="50724"/>
+          <a:stretch/>
+        </p:blipFill>
+        <p:spPr>
+          <a:xfrm>
+            <a:off x="5782019" y="5653469"/>
+            <a:ext cx="690775" cy="852621"/>
+          </a:xfrm>
+          <a:prstGeom prst="rect">
+            <a:avLst/>
+          </a:prstGeom>
+        </p:spPr>
+      </p:pic>
+      <p:pic>
+        <p:nvPicPr>
+          <p:cNvPr id="19" name="図 18"/>
+          <p:cNvPicPr>
+            <a:picLocks noChangeAspect="1"/>
+          </p:cNvPicPr>
+          <p:nvPr/>
+        </p:nvPicPr>
+        <p:blipFill rotWithShape="1">
+          <a:blip r:embed="rId4">
+            <a:extLst>
+              <a:ext uri="{28A0092B-C50C-407E-A947-70E740481C1C}">
+                <a14:useLocalDpi xmlns:a14="http://schemas.microsoft.com/office/drawing/2010/main" val="0"/>
+              </a:ext>
+            </a:extLst>
+          </a:blip>
+          <a:srcRect t="2304" r="66792" b="50724"/>
+          <a:stretch/>
+        </p:blipFill>
+        <p:spPr>
+          <a:xfrm>
+            <a:off x="6590815" y="5804325"/>
+            <a:ext cx="617705" cy="701765"/>
+          </a:xfrm>
+          <a:prstGeom prst="rect">
+            <a:avLst/>
+          </a:prstGeom>
+        </p:spPr>
+      </p:pic>
     </p:spTree>
     <p:extLst>
       <p:ext uri="{BB962C8B-B14F-4D97-AF65-F5344CB8AC3E}">

--- a/パッケージにひとこと.pptx
+++ b/パッケージにひとこと.pptx
@@ -5,7 +5,7 @@
     <p:sldMasterId id="2147483648" r:id="rId1"/>
   </p:sldMasterIdLst>
   <p:sldIdLst>
-    <p:sldId id="257" r:id="rId2"/>
+    <p:sldId id="258" r:id="rId2"/>
   </p:sldIdLst>
   <p:sldSz cx="12192000" cy="6858000"/>
   <p:notesSz cx="6858000" cy="9144000"/>
@@ -3259,7 +3259,7 @@
       </p:grpSpPr>
       <p:pic>
         <p:nvPicPr>
-          <p:cNvPr id="3" name="図 2"/>
+          <p:cNvPr id="2" name="図 1"/>
           <p:cNvPicPr>
             <a:picLocks noChangeAspect="1"/>
           </p:cNvPicPr>
@@ -3279,8 +3279,8 @@
         </p:blipFill>
         <p:spPr>
           <a:xfrm>
-            <a:off x="534851" y="71120"/>
-            <a:ext cx="11150293" cy="6715760"/>
+            <a:off x="453991" y="81023"/>
+            <a:ext cx="11207594" cy="6661230"/>
           </a:xfrm>
           <a:prstGeom prst="rect">
             <a:avLst/>
@@ -3289,13 +3289,13 @@
       </p:pic>
       <p:sp>
         <p:nvSpPr>
-          <p:cNvPr id="4" name="テキスト ボックス 3"/>
+          <p:cNvPr id="3" name="テキスト ボックス 2"/>
           <p:cNvSpPr txBox="1"/>
           <p:nvPr/>
         </p:nvSpPr>
         <p:spPr>
           <a:xfrm>
-            <a:off x="1809750" y="852678"/>
+            <a:off x="1751877" y="320243"/>
             <a:ext cx="3371088" cy="307777"/>
           </a:xfrm>
           <a:prstGeom prst="rect">
@@ -3327,13 +3327,13 @@
       </p:sp>
       <p:sp>
         <p:nvSpPr>
-          <p:cNvPr id="5" name="テキスト ボックス 4"/>
+          <p:cNvPr id="4" name="テキスト ボックス 3"/>
           <p:cNvSpPr txBox="1"/>
           <p:nvPr/>
         </p:nvSpPr>
         <p:spPr>
           <a:xfrm>
-            <a:off x="1855470" y="1088898"/>
+            <a:off x="1797597" y="556463"/>
             <a:ext cx="3524250" cy="415498"/>
           </a:xfrm>
           <a:prstGeom prst="rect">
@@ -3380,13 +3380,13 @@
       </p:sp>
       <p:sp>
         <p:nvSpPr>
-          <p:cNvPr id="6" name="テキスト ボックス 5"/>
+          <p:cNvPr id="5" name="テキスト ボックス 4"/>
           <p:cNvSpPr txBox="1"/>
           <p:nvPr/>
         </p:nvSpPr>
         <p:spPr>
           <a:xfrm>
-            <a:off x="1809750" y="1740616"/>
+            <a:off x="1751877" y="1208181"/>
             <a:ext cx="3371088" cy="307777"/>
           </a:xfrm>
           <a:prstGeom prst="rect">
@@ -3426,13 +3426,13 @@
       </p:sp>
       <p:sp>
         <p:nvSpPr>
-          <p:cNvPr id="7" name="テキスト ボックス 6"/>
+          <p:cNvPr id="6" name="テキスト ボックス 5"/>
           <p:cNvSpPr txBox="1"/>
           <p:nvPr/>
         </p:nvSpPr>
         <p:spPr>
           <a:xfrm>
-            <a:off x="1855470" y="1976836"/>
+            <a:off x="1797597" y="1444401"/>
             <a:ext cx="3524250" cy="253916"/>
           </a:xfrm>
           <a:prstGeom prst="rect">
@@ -3464,13 +3464,13 @@
       </p:sp>
       <p:sp>
         <p:nvSpPr>
-          <p:cNvPr id="8" name="テキスト ボックス 7"/>
+          <p:cNvPr id="7" name="テキスト ボックス 6"/>
           <p:cNvSpPr txBox="1"/>
           <p:nvPr/>
         </p:nvSpPr>
         <p:spPr>
           <a:xfrm>
-            <a:off x="1809750" y="2512659"/>
+            <a:off x="1709205" y="2159667"/>
             <a:ext cx="3371088" cy="307777"/>
           </a:xfrm>
           <a:prstGeom prst="rect">
@@ -3518,13 +3518,13 @@
       </p:sp>
       <p:sp>
         <p:nvSpPr>
-          <p:cNvPr id="9" name="テキスト ボックス 8"/>
+          <p:cNvPr id="8" name="テキスト ボックス 7"/>
           <p:cNvSpPr txBox="1"/>
           <p:nvPr/>
         </p:nvSpPr>
         <p:spPr>
           <a:xfrm>
-            <a:off x="1855470" y="2748879"/>
+            <a:off x="1754925" y="2395887"/>
             <a:ext cx="3524250" cy="253916"/>
           </a:xfrm>
           <a:prstGeom prst="rect">
@@ -3556,13 +3556,13 @@
       </p:sp>
       <p:sp>
         <p:nvSpPr>
-          <p:cNvPr id="10" name="テキスト ボックス 9"/>
+          <p:cNvPr id="9" name="テキスト ボックス 8"/>
           <p:cNvSpPr txBox="1"/>
           <p:nvPr/>
         </p:nvSpPr>
         <p:spPr>
           <a:xfrm>
-            <a:off x="1809750" y="3335268"/>
+            <a:off x="1709205" y="3069824"/>
             <a:ext cx="3371088" cy="307777"/>
           </a:xfrm>
           <a:prstGeom prst="rect">
@@ -3594,13 +3594,13 @@
       </p:sp>
       <p:sp>
         <p:nvSpPr>
-          <p:cNvPr id="11" name="テキスト ボックス 10"/>
+          <p:cNvPr id="10" name="テキスト ボックス 9"/>
           <p:cNvSpPr txBox="1"/>
           <p:nvPr/>
         </p:nvSpPr>
         <p:spPr>
           <a:xfrm>
-            <a:off x="1855470" y="3571488"/>
+            <a:off x="1754925" y="3306044"/>
             <a:ext cx="3524250" cy="253916"/>
           </a:xfrm>
           <a:prstGeom prst="rect">
@@ -3632,13 +3632,13 @@
       </p:sp>
       <p:sp>
         <p:nvSpPr>
-          <p:cNvPr id="12" name="テキスト ボックス 11"/>
+          <p:cNvPr id="11" name="テキスト ボックス 10"/>
           <p:cNvSpPr txBox="1"/>
           <p:nvPr/>
         </p:nvSpPr>
         <p:spPr>
           <a:xfrm>
-            <a:off x="1809750" y="4157877"/>
+            <a:off x="1709205" y="4031740"/>
             <a:ext cx="3371088" cy="307777"/>
           </a:xfrm>
           <a:prstGeom prst="rect">
@@ -3686,13 +3686,13 @@
       </p:sp>
       <p:sp>
         <p:nvSpPr>
-          <p:cNvPr id="13" name="テキスト ボックス 12"/>
+          <p:cNvPr id="12" name="テキスト ボックス 11"/>
           <p:cNvSpPr txBox="1"/>
           <p:nvPr/>
         </p:nvSpPr>
         <p:spPr>
           <a:xfrm>
-            <a:off x="1855470" y="4394097"/>
+            <a:off x="1754925" y="4267960"/>
             <a:ext cx="3524250" cy="253916"/>
           </a:xfrm>
           <a:prstGeom prst="rect">
@@ -3724,13 +3724,13 @@
       </p:sp>
       <p:sp>
         <p:nvSpPr>
-          <p:cNvPr id="14" name="テキスト ボックス 13"/>
+          <p:cNvPr id="13" name="テキスト ボックス 12"/>
           <p:cNvSpPr txBox="1"/>
           <p:nvPr/>
         </p:nvSpPr>
         <p:spPr>
           <a:xfrm>
-            <a:off x="1809750" y="4980486"/>
+            <a:off x="1709205" y="4943799"/>
             <a:ext cx="3371088" cy="307777"/>
           </a:xfrm>
           <a:prstGeom prst="rect">
@@ -3762,13 +3762,13 @@
       </p:sp>
       <p:sp>
         <p:nvSpPr>
-          <p:cNvPr id="15" name="テキスト ボックス 14"/>
+          <p:cNvPr id="14" name="テキスト ボックス 13"/>
           <p:cNvSpPr txBox="1"/>
           <p:nvPr/>
         </p:nvSpPr>
         <p:spPr>
           <a:xfrm>
-            <a:off x="1855470" y="5216706"/>
+            <a:off x="1754925" y="5180019"/>
             <a:ext cx="3524250" cy="253916"/>
           </a:xfrm>
           <a:prstGeom prst="rect">
@@ -3800,13 +3800,13 @@
       </p:sp>
       <p:sp>
         <p:nvSpPr>
-          <p:cNvPr id="16" name="テキスト ボックス 15"/>
+          <p:cNvPr id="15" name="テキスト ボックス 14"/>
           <p:cNvSpPr txBox="1"/>
           <p:nvPr/>
         </p:nvSpPr>
         <p:spPr>
           <a:xfrm>
-            <a:off x="1809750" y="5750106"/>
+            <a:off x="1709205" y="5843026"/>
             <a:ext cx="3371088" cy="307777"/>
           </a:xfrm>
           <a:prstGeom prst="rect">
@@ -3838,13 +3838,13 @@
       </p:sp>
       <p:sp>
         <p:nvSpPr>
-          <p:cNvPr id="17" name="テキスト ボックス 16"/>
+          <p:cNvPr id="16" name="テキスト ボックス 15"/>
           <p:cNvSpPr txBox="1"/>
           <p:nvPr/>
         </p:nvSpPr>
         <p:spPr>
           <a:xfrm>
-            <a:off x="1855470" y="5986326"/>
+            <a:off x="1754925" y="6079246"/>
             <a:ext cx="3524250" cy="253916"/>
           </a:xfrm>
           <a:prstGeom prst="rect">
@@ -3874,98 +3874,10 @@
           </a:p>
         </p:txBody>
       </p:sp>
-      <p:pic>
-        <p:nvPicPr>
-          <p:cNvPr id="2" name="図 1"/>
-          <p:cNvPicPr>
-            <a:picLocks noChangeAspect="1"/>
-          </p:cNvPicPr>
-          <p:nvPr/>
-        </p:nvPicPr>
-        <p:blipFill>
-          <a:blip r:embed="rId3" cstate="print">
-            <a:extLst>
-              <a:ext uri="{28A0092B-C50C-407E-A947-70E740481C1C}">
-                <a14:useLocalDpi xmlns:a14="http://schemas.microsoft.com/office/drawing/2010/main" val="0"/>
-              </a:ext>
-            </a:extLst>
-          </a:blip>
-          <a:stretch>
-            <a:fillRect/>
-          </a:stretch>
-        </p:blipFill>
-        <p:spPr>
-          <a:xfrm>
-            <a:off x="9531660" y="5653470"/>
-            <a:ext cx="1918397" cy="808825"/>
-          </a:xfrm>
-          <a:prstGeom prst="rect">
-            <a:avLst/>
-          </a:prstGeom>
-        </p:spPr>
-      </p:pic>
-      <p:pic>
-        <p:nvPicPr>
-          <p:cNvPr id="18" name="図 17"/>
-          <p:cNvPicPr>
-            <a:picLocks noChangeAspect="1"/>
-          </p:cNvPicPr>
-          <p:nvPr/>
-        </p:nvPicPr>
-        <p:blipFill rotWithShape="1">
-          <a:blip r:embed="rId4">
-            <a:extLst>
-              <a:ext uri="{28A0092B-C50C-407E-A947-70E740481C1C}">
-                <a14:useLocalDpi xmlns:a14="http://schemas.microsoft.com/office/drawing/2010/main" val="0"/>
-              </a:ext>
-            </a:extLst>
-          </a:blip>
-          <a:srcRect t="2304" r="66792" b="50724"/>
-          <a:stretch/>
-        </p:blipFill>
-        <p:spPr>
-          <a:xfrm>
-            <a:off x="5782019" y="5653469"/>
-            <a:ext cx="690775" cy="852621"/>
-          </a:xfrm>
-          <a:prstGeom prst="rect">
-            <a:avLst/>
-          </a:prstGeom>
-        </p:spPr>
-      </p:pic>
-      <p:pic>
-        <p:nvPicPr>
-          <p:cNvPr id="19" name="図 18"/>
-          <p:cNvPicPr>
-            <a:picLocks noChangeAspect="1"/>
-          </p:cNvPicPr>
-          <p:nvPr/>
-        </p:nvPicPr>
-        <p:blipFill rotWithShape="1">
-          <a:blip r:embed="rId4">
-            <a:extLst>
-              <a:ext uri="{28A0092B-C50C-407E-A947-70E740481C1C}">
-                <a14:useLocalDpi xmlns:a14="http://schemas.microsoft.com/office/drawing/2010/main" val="0"/>
-              </a:ext>
-            </a:extLst>
-          </a:blip>
-          <a:srcRect t="2304" r="66792" b="50724"/>
-          <a:stretch/>
-        </p:blipFill>
-        <p:spPr>
-          <a:xfrm>
-            <a:off x="6590815" y="5804325"/>
-            <a:ext cx="617705" cy="701765"/>
-          </a:xfrm>
-          <a:prstGeom prst="rect">
-            <a:avLst/>
-          </a:prstGeom>
-        </p:spPr>
-      </p:pic>
     </p:spTree>
     <p:extLst>
       <p:ext uri="{BB962C8B-B14F-4D97-AF65-F5344CB8AC3E}">
-        <p14:creationId xmlns:p14="http://schemas.microsoft.com/office/powerpoint/2010/main" val="1625686577"/>
+        <p14:creationId xmlns:p14="http://schemas.microsoft.com/office/powerpoint/2010/main" val="3147011292"/>
       </p:ext>
     </p:extLst>
   </p:cSld>

--- a/パッケージにひとこと.pptx
+++ b/パッケージにひとこと.pptx
@@ -243,7 +243,7 @@
           <a:p>
             <a:fld id="{F7ED7478-473C-4471-9E93-D7EE0AF02CA5}" type="datetimeFigureOut">
               <a:rPr kumimoji="1" lang="ja-JP" altLang="en-US" smtClean="0"/>
-              <a:t>2020/1/22</a:t>
+              <a:t>2020/1/23</a:t>
             </a:fld>
             <a:endParaRPr kumimoji="1" lang="ja-JP" altLang="en-US"/>
           </a:p>
@@ -445,7 +445,7 @@
           <a:p>
             <a:fld id="{F7ED7478-473C-4471-9E93-D7EE0AF02CA5}" type="datetimeFigureOut">
               <a:rPr kumimoji="1" lang="ja-JP" altLang="en-US" smtClean="0"/>
-              <a:t>2020/1/22</a:t>
+              <a:t>2020/1/23</a:t>
             </a:fld>
             <a:endParaRPr kumimoji="1" lang="ja-JP" altLang="en-US"/>
           </a:p>
@@ -657,7 +657,7 @@
           <a:p>
             <a:fld id="{F7ED7478-473C-4471-9E93-D7EE0AF02CA5}" type="datetimeFigureOut">
               <a:rPr kumimoji="1" lang="ja-JP" altLang="en-US" smtClean="0"/>
-              <a:t>2020/1/22</a:t>
+              <a:t>2020/1/23</a:t>
             </a:fld>
             <a:endParaRPr kumimoji="1" lang="ja-JP" altLang="en-US"/>
           </a:p>
@@ -859,7 +859,7 @@
           <a:p>
             <a:fld id="{F7ED7478-473C-4471-9E93-D7EE0AF02CA5}" type="datetimeFigureOut">
               <a:rPr kumimoji="1" lang="ja-JP" altLang="en-US" smtClean="0"/>
-              <a:t>2020/1/22</a:t>
+              <a:t>2020/1/23</a:t>
             </a:fld>
             <a:endParaRPr kumimoji="1" lang="ja-JP" altLang="en-US"/>
           </a:p>
@@ -1105,7 +1105,7 @@
           <a:p>
             <a:fld id="{F7ED7478-473C-4471-9E93-D7EE0AF02CA5}" type="datetimeFigureOut">
               <a:rPr kumimoji="1" lang="ja-JP" altLang="en-US" smtClean="0"/>
-              <a:t>2020/1/22</a:t>
+              <a:t>2020/1/23</a:t>
             </a:fld>
             <a:endParaRPr kumimoji="1" lang="ja-JP" altLang="en-US"/>
           </a:p>
@@ -1401,7 +1401,7 @@
           <a:p>
             <a:fld id="{F7ED7478-473C-4471-9E93-D7EE0AF02CA5}" type="datetimeFigureOut">
               <a:rPr kumimoji="1" lang="ja-JP" altLang="en-US" smtClean="0"/>
-              <a:t>2020/1/22</a:t>
+              <a:t>2020/1/23</a:t>
             </a:fld>
             <a:endParaRPr kumimoji="1" lang="ja-JP" altLang="en-US"/>
           </a:p>
@@ -1832,7 +1832,7 @@
           <a:p>
             <a:fld id="{F7ED7478-473C-4471-9E93-D7EE0AF02CA5}" type="datetimeFigureOut">
               <a:rPr kumimoji="1" lang="ja-JP" altLang="en-US" smtClean="0"/>
-              <a:t>2020/1/22</a:t>
+              <a:t>2020/1/23</a:t>
             </a:fld>
             <a:endParaRPr kumimoji="1" lang="ja-JP" altLang="en-US"/>
           </a:p>
@@ -1950,7 +1950,7 @@
           <a:p>
             <a:fld id="{F7ED7478-473C-4471-9E93-D7EE0AF02CA5}" type="datetimeFigureOut">
               <a:rPr kumimoji="1" lang="ja-JP" altLang="en-US" smtClean="0"/>
-              <a:t>2020/1/22</a:t>
+              <a:t>2020/1/23</a:t>
             </a:fld>
             <a:endParaRPr kumimoji="1" lang="ja-JP" altLang="en-US"/>
           </a:p>
@@ -2045,7 +2045,7 @@
           <a:p>
             <a:fld id="{F7ED7478-473C-4471-9E93-D7EE0AF02CA5}" type="datetimeFigureOut">
               <a:rPr kumimoji="1" lang="ja-JP" altLang="en-US" smtClean="0"/>
-              <a:t>2020/1/22</a:t>
+              <a:t>2020/1/23</a:t>
             </a:fld>
             <a:endParaRPr kumimoji="1" lang="ja-JP" altLang="en-US"/>
           </a:p>
@@ -2354,7 +2354,7 @@
           <a:p>
             <a:fld id="{F7ED7478-473C-4471-9E93-D7EE0AF02CA5}" type="datetimeFigureOut">
               <a:rPr kumimoji="1" lang="ja-JP" altLang="en-US" smtClean="0"/>
-              <a:t>2020/1/22</a:t>
+              <a:t>2020/1/23</a:t>
             </a:fld>
             <a:endParaRPr kumimoji="1" lang="ja-JP" altLang="en-US"/>
           </a:p>
@@ -2607,7 +2607,7 @@
           <a:p>
             <a:fld id="{F7ED7478-473C-4471-9E93-D7EE0AF02CA5}" type="datetimeFigureOut">
               <a:rPr kumimoji="1" lang="ja-JP" altLang="en-US" smtClean="0"/>
-              <a:t>2020/1/22</a:t>
+              <a:t>2020/1/23</a:t>
             </a:fld>
             <a:endParaRPr kumimoji="1" lang="ja-JP" altLang="en-US"/>
           </a:p>
@@ -2852,7 +2852,7 @@
           <a:p>
             <a:fld id="{F7ED7478-473C-4471-9E93-D7EE0AF02CA5}" type="datetimeFigureOut">
               <a:rPr kumimoji="1" lang="ja-JP" altLang="en-US" smtClean="0"/>
-              <a:t>2020/1/22</a:t>
+              <a:t>2020/1/23</a:t>
             </a:fld>
             <a:endParaRPr kumimoji="1" lang="ja-JP" altLang="en-US"/>
           </a:p>
@@ -3693,7 +3693,7 @@
         <p:spPr>
           <a:xfrm>
             <a:off x="1754925" y="4267960"/>
-            <a:ext cx="3524250" cy="253916"/>
+            <a:ext cx="3524250" cy="415498"/>
           </a:xfrm>
           <a:prstGeom prst="rect">
             <a:avLst/>
@@ -3707,14 +3707,22 @@
           <a:lstStyle/>
           <a:p>
             <a:r>
+              <a:rPr lang="ja-JP" altLang="en-US" sz="1050" b="1" dirty="0">
+                <a:solidFill>
+                  <a:schemeClr val="bg1"/>
+                </a:solidFill>
+              </a:rPr>
+              <a:t>制作で取り組んだ事全てが勉強になりました。このメンバーで作品を作り上げることができて良かったです</a:t>
+            </a:r>
+            <a:r>
               <a:rPr lang="ja-JP" altLang="en-US" sz="1050" b="1" dirty="0" smtClean="0">
                 <a:solidFill>
                   <a:schemeClr val="bg1"/>
                 </a:solidFill>
               </a:rPr>
-              <a:t>イヌヌワン！</a:t>
-            </a:r>
-            <a:endParaRPr kumimoji="1" lang="ja-JP" altLang="en-US" sz="1050" b="1" dirty="0">
+              <a:t>。</a:t>
+            </a:r>
+            <a:endParaRPr lang="ja-JP" altLang="en-US" sz="1050" b="1" dirty="0">
               <a:solidFill>
                 <a:schemeClr val="bg1"/>
               </a:solidFill>

--- a/パッケージにひとこと.pptx
+++ b/パッケージにひとこと.pptx
@@ -3777,7 +3777,7 @@
         <p:spPr>
           <a:xfrm>
             <a:off x="1754925" y="5180019"/>
-            <a:ext cx="3524250" cy="253916"/>
+            <a:ext cx="3524250" cy="415498"/>
           </a:xfrm>
           <a:prstGeom prst="rect">
             <a:avLst/>
@@ -3791,12 +3791,35 @@
           <a:lstStyle/>
           <a:p>
             <a:r>
+              <a:rPr lang="ja-JP" altLang="en-US" sz="1050" b="1" dirty="0">
+                <a:solidFill>
+                  <a:schemeClr val="bg1"/>
+                </a:solidFill>
+              </a:rPr>
+              <a:t>独学</a:t>
+            </a:r>
+            <a:r>
               <a:rPr lang="ja-JP" altLang="en-US" sz="1050" b="1" dirty="0" smtClean="0">
                 <a:solidFill>
                   <a:schemeClr val="bg1"/>
                 </a:solidFill>
               </a:rPr>
-              <a:t>イヌヌワン！</a:t>
+              <a:t>でオンラインを勉強をしたのでとても苦労しました。</a:t>
+            </a:r>
+            <a:endParaRPr lang="en-US" altLang="ja-JP" sz="1050" b="1" dirty="0" smtClean="0">
+              <a:solidFill>
+                <a:schemeClr val="bg1"/>
+              </a:solidFill>
+            </a:endParaRPr>
+          </a:p>
+          <a:p>
+            <a:r>
+              <a:rPr lang="ja-JP" altLang="en-US" sz="1050" b="1" smtClean="0">
+                <a:solidFill>
+                  <a:schemeClr val="bg1"/>
+                </a:solidFill>
+              </a:rPr>
+              <a:t>チームワークも完璧で良いゲームができました。</a:t>
             </a:r>
             <a:endParaRPr kumimoji="1" lang="ja-JP" altLang="en-US" sz="1050" b="1" dirty="0">
               <a:solidFill>

--- a/パッケージにひとこと.pptx
+++ b/パッケージにひとこと.pptx
@@ -3518,44 +3518,6 @@
       </p:sp>
       <p:sp>
         <p:nvSpPr>
-          <p:cNvPr id="8" name="テキスト ボックス 7"/>
-          <p:cNvSpPr txBox="1"/>
-          <p:nvPr/>
-        </p:nvSpPr>
-        <p:spPr>
-          <a:xfrm>
-            <a:off x="1754925" y="2395887"/>
-            <a:ext cx="3524250" cy="253916"/>
-          </a:xfrm>
-          <a:prstGeom prst="rect">
-            <a:avLst/>
-          </a:prstGeom>
-          <a:noFill/>
-        </p:spPr>
-        <p:txBody>
-          <a:bodyPr wrap="square" rtlCol="0">
-            <a:spAutoFit/>
-          </a:bodyPr>
-          <a:lstStyle/>
-          <a:p>
-            <a:r>
-              <a:rPr lang="ja-JP" altLang="en-US" sz="1050" b="1" dirty="0" smtClean="0">
-                <a:solidFill>
-                  <a:schemeClr val="bg1"/>
-                </a:solidFill>
-              </a:rPr>
-              <a:t>イヌヌワン！</a:t>
-            </a:r>
-            <a:endParaRPr kumimoji="1" lang="ja-JP" altLang="en-US" sz="1050" b="1" dirty="0">
-              <a:solidFill>
-                <a:schemeClr val="bg1"/>
-              </a:solidFill>
-            </a:endParaRPr>
-          </a:p>
-        </p:txBody>
-      </p:sp>
-      <p:sp>
-        <p:nvSpPr>
           <p:cNvPr id="9" name="テキスト ボックス 8"/>
           <p:cNvSpPr txBox="1"/>
           <p:nvPr/>
@@ -3898,6 +3860,59 @@
               <a:t>イヌヌワン！</a:t>
             </a:r>
             <a:endParaRPr kumimoji="1" lang="ja-JP" altLang="en-US" sz="1050" b="1" dirty="0">
+              <a:solidFill>
+                <a:schemeClr val="bg1"/>
+              </a:solidFill>
+            </a:endParaRPr>
+          </a:p>
+        </p:txBody>
+      </p:sp>
+      <p:sp>
+        <p:nvSpPr>
+          <p:cNvPr id="18" name="テキスト ボックス 17"/>
+          <p:cNvSpPr txBox="1"/>
+          <p:nvPr/>
+        </p:nvSpPr>
+        <p:spPr>
+          <a:xfrm>
+            <a:off x="1754925" y="2395887"/>
+            <a:ext cx="3524250" cy="415498"/>
+          </a:xfrm>
+          <a:prstGeom prst="rect">
+            <a:avLst/>
+          </a:prstGeom>
+          <a:noFill/>
+        </p:spPr>
+        <p:txBody>
+          <a:bodyPr wrap="square" rtlCol="0">
+            <a:spAutoFit/>
+          </a:bodyPr>
+          <a:lstStyle/>
+          <a:p>
+            <a:r>
+              <a:rPr lang="ja-JP" altLang="en-US" sz="1050" b="1" dirty="0" smtClean="0">
+                <a:solidFill>
+                  <a:schemeClr val="bg1"/>
+                </a:solidFill>
+              </a:rPr>
+              <a:t>めちゃくちゃ皆に助けられました！</a:t>
+            </a:r>
+            <a:endParaRPr lang="en-US" altLang="ja-JP" sz="1050" b="1" dirty="0" smtClean="0">
+              <a:solidFill>
+                <a:schemeClr val="bg1"/>
+              </a:solidFill>
+            </a:endParaRPr>
+          </a:p>
+          <a:p>
+            <a:r>
+              <a:rPr kumimoji="1" lang="ja-JP" altLang="en-US" sz="1050" b="1" dirty="0" smtClean="0">
+                <a:solidFill>
+                  <a:schemeClr val="bg1"/>
+                </a:solidFill>
+              </a:rPr>
+              <a:t>みんなありがとう！！！！！！！！！</a:t>
+            </a:r>
+            <a:endParaRPr kumimoji="1" lang="en-US" altLang="ja-JP" sz="1050" b="1" dirty="0" smtClean="0">
               <a:solidFill>
                 <a:schemeClr val="bg1"/>
               </a:solidFill>

--- a/パッケージにひとこと.pptx
+++ b/パッケージにひとこと.pptx
@@ -3433,7 +3433,7 @@
         <p:spPr>
           <a:xfrm>
             <a:off x="1797597" y="1444401"/>
-            <a:ext cx="3524250" cy="253916"/>
+            <a:ext cx="3524250" cy="415498"/>
           </a:xfrm>
           <a:prstGeom prst="rect">
             <a:avLst/>
@@ -3447,14 +3447,53 @@
           <a:lstStyle/>
           <a:p>
             <a:r>
+              <a:rPr lang="ja-JP" altLang="en-US" sz="1050" b="1" dirty="0">
+                <a:solidFill>
+                  <a:schemeClr val="bg1"/>
+                </a:solidFill>
+              </a:rPr>
+              <a:t>時間があっという間に過ぎたように感じる制作でした。</a:t>
+            </a:r>
+            <a:endParaRPr lang="en-US" altLang="ja-JP" sz="1050" b="1" dirty="0">
+              <a:solidFill>
+                <a:schemeClr val="bg1"/>
+              </a:solidFill>
+            </a:endParaRPr>
+          </a:p>
+          <a:p>
+            <a:r>
+              <a:rPr lang="ja-JP" altLang="en-US" sz="1050" b="1" dirty="0">
+                <a:solidFill>
+                  <a:schemeClr val="bg1"/>
+                </a:solidFill>
+              </a:rPr>
+              <a:t>皆</a:t>
+            </a:r>
+            <a:r>
               <a:rPr lang="ja-JP" altLang="en-US" sz="1050" b="1" dirty="0" smtClean="0">
                 <a:solidFill>
                   <a:schemeClr val="bg1"/>
                 </a:solidFill>
               </a:rPr>
-              <a:t>イヌヌワン！</a:t>
-            </a:r>
-            <a:endParaRPr kumimoji="1" lang="ja-JP" altLang="en-US" sz="1050" b="1" dirty="0">
+              <a:t>で協力してゲームを</a:t>
+            </a:r>
+            <a:r>
+              <a:rPr lang="ja-JP" altLang="en-US" sz="1050" b="1" smtClean="0">
+                <a:solidFill>
+                  <a:schemeClr val="bg1"/>
+                </a:solidFill>
+              </a:rPr>
+              <a:t>完成させられて良かった</a:t>
+            </a:r>
+            <a:r>
+              <a:rPr lang="ja-JP" altLang="en-US" sz="1050" b="1" dirty="0" smtClean="0">
+                <a:solidFill>
+                  <a:schemeClr val="bg1"/>
+                </a:solidFill>
+              </a:rPr>
+              <a:t>です。</a:t>
+            </a:r>
+            <a:endParaRPr lang="en-US" altLang="ja-JP" sz="1050" b="1" dirty="0" smtClean="0">
               <a:solidFill>
                 <a:schemeClr val="bg1"/>
               </a:solidFill>

--- a/パッケージにひとこと.pptx
+++ b/パッケージにひとこと.pptx
@@ -3602,7 +3602,7 @@
         <p:spPr>
           <a:xfrm>
             <a:off x="1754925" y="3306044"/>
-            <a:ext cx="3524250" cy="253916"/>
+            <a:ext cx="3524250" cy="577081"/>
           </a:xfrm>
           <a:prstGeom prst="rect">
             <a:avLst/>
@@ -3621,8 +3621,15 @@
                   <a:schemeClr val="bg1"/>
                 </a:solidFill>
               </a:rPr>
-              <a:t>イヌヌワン！</a:t>
-            </a:r>
+              <a:t>皆に度々迷惑をかけましたが、楽しくチーム制作を終えることが出来ました。</a:t>
+            </a:r>
+            <a:endParaRPr lang="en-US" altLang="ja-JP" sz="1050" b="1" dirty="0" smtClean="0">
+              <a:solidFill>
+                <a:schemeClr val="bg1"/>
+              </a:solidFill>
+            </a:endParaRPr>
+          </a:p>
+          <a:p>
             <a:endParaRPr kumimoji="1" lang="ja-JP" altLang="en-US" sz="1050" b="1" dirty="0">
               <a:solidFill>
                 <a:schemeClr val="bg1"/>
@@ -3713,7 +3720,38 @@
                   <a:schemeClr val="bg1"/>
                 </a:solidFill>
               </a:rPr>
-              <a:t>制作で取り組んだ事全てが勉強になりました。このメンバーで作品を作り上げることができて良かったです</a:t>
+              <a:t>制作で取り組んだ事全てが勉強になりました</a:t>
+            </a:r>
+            <a:r>
+              <a:rPr lang="ja-JP" altLang="en-US" sz="1050" b="1" dirty="0" smtClean="0">
+                <a:solidFill>
+                  <a:schemeClr val="bg1"/>
+                </a:solidFill>
+              </a:rPr>
+              <a:t>。</a:t>
+            </a:r>
+            <a:endParaRPr lang="en-US" altLang="ja-JP" sz="1050" b="1" dirty="0">
+              <a:solidFill>
+                <a:schemeClr val="bg1"/>
+              </a:solidFill>
+            </a:endParaRPr>
+          </a:p>
+          <a:p>
+            <a:r>
+              <a:rPr lang="ja-JP" altLang="en-US" sz="1050" b="1" dirty="0" smtClean="0">
+                <a:solidFill>
+                  <a:schemeClr val="bg1"/>
+                </a:solidFill>
+              </a:rPr>
+              <a:t>皆で</a:t>
+            </a:r>
+            <a:r>
+              <a:rPr lang="ja-JP" altLang="en-US" sz="1050" b="1" dirty="0">
+                <a:solidFill>
+                  <a:schemeClr val="bg1"/>
+                </a:solidFill>
+              </a:rPr>
+              <a:t>作品を作り上げることができて良かったです</a:t>
             </a:r>
             <a:r>
               <a:rPr lang="ja-JP" altLang="en-US" sz="1050" b="1" dirty="0" smtClean="0">
@@ -3815,7 +3853,7 @@
           </a:p>
           <a:p>
             <a:r>
-              <a:rPr lang="ja-JP" altLang="en-US" sz="1050" b="1" smtClean="0">
+              <a:rPr lang="ja-JP" altLang="en-US" sz="1050" b="1" dirty="0" smtClean="0">
                 <a:solidFill>
                   <a:schemeClr val="bg1"/>
                 </a:solidFill>
@@ -3877,7 +3915,7 @@
         <p:spPr>
           <a:xfrm>
             <a:off x="1754925" y="6079246"/>
-            <a:ext cx="3524250" cy="253916"/>
+            <a:ext cx="3524250" cy="415498"/>
           </a:xfrm>
           <a:prstGeom prst="rect">
             <a:avLst/>
@@ -3896,7 +3934,7 @@
                   <a:schemeClr val="bg1"/>
                 </a:solidFill>
               </a:rPr>
-              <a:t>イヌヌワン！</a:t>
+              <a:t>ブース制作を主にやっていましたが、とても楽しく制作することが出来ました。</a:t>
             </a:r>
             <a:endParaRPr kumimoji="1" lang="ja-JP" altLang="en-US" sz="1050" b="1" dirty="0">
               <a:solidFill>
